--- a/docs/ppt/项目管理期末pre（李宗义）.pptx
+++ b/docs/ppt/项目管理期末pre（李宗义）.pptx
@@ -112,6 +112,11 @@
       </a:defRPr>
     </a:lvl9pPr>
   </p:defaultTextStyle>
+  <p:extLst>
+    <p:ext uri="{EFAFB233-063F-42B5-8137-9DF3F51BA10A}">
+      <p15:sldGuideLst xmlns:p15="http://schemas.microsoft.com/office/powerpoint/2012/main"/>
+    </p:ext>
+  </p:extLst>
 </p:presentation>
 </file>
 
@@ -672,6 +677,86 @@
             <a:r>
               <a:rPr lang="zh-CN" altLang="en-US" dirty="0"/>
               <a:t>张表，符合数据库第三范式</a:t>
+            </a:r>
+            <a:endParaRPr lang="en-US" altLang="zh-CN" dirty="0"/>
+          </a:p>
+          <a:p>
+            <a:pPr marL="0" marR="0" lvl="0" indent="0" algn="l" defTabSz="914400" rtl="0" eaLnBrk="1" fontAlgn="auto" latinLnBrk="0" hangingPunct="1">
+              <a:lnSpc>
+                <a:spcPct val="100000"/>
+              </a:lnSpc>
+              <a:spcBef>
+                <a:spcPts val="0"/>
+              </a:spcBef>
+              <a:spcAft>
+                <a:spcPts val="0"/>
+              </a:spcAft>
+              <a:buClrTx/>
+              <a:buSzTx/>
+              <a:buFontTx/>
+              <a:buNone/>
+              <a:tabLst/>
+              <a:defRPr/>
+            </a:pPr>
+            <a:r>
+              <a:rPr lang="zh-CN" altLang="en-US" dirty="0"/>
+              <a:t>第一范式：原子性（所有列数据符合原子性）</a:t>
+            </a:r>
+            <a:endParaRPr lang="en-US" altLang="zh-CN" dirty="0"/>
+          </a:p>
+          <a:p>
+            <a:pPr marL="0" marR="0" lvl="0" indent="0" algn="l" defTabSz="914400" rtl="0" eaLnBrk="1" fontAlgn="auto" latinLnBrk="0" hangingPunct="1">
+              <a:lnSpc>
+                <a:spcPct val="100000"/>
+              </a:lnSpc>
+              <a:spcBef>
+                <a:spcPts val="0"/>
+              </a:spcBef>
+              <a:spcAft>
+                <a:spcPts val="0"/>
+              </a:spcAft>
+              <a:buClrTx/>
+              <a:buSzTx/>
+              <a:buFontTx/>
+              <a:buNone/>
+              <a:tabLst/>
+              <a:defRPr/>
+            </a:pPr>
+            <a:r>
+              <a:rPr lang="zh-CN" altLang="en-US" dirty="0"/>
+              <a:t>第二范式：非码属性必须完全依赖于候选码（即用</a:t>
+            </a:r>
+            <a:r>
+              <a:rPr lang="en-US" altLang="zh-CN" dirty="0"/>
+              <a:t>ID</a:t>
+            </a:r>
+            <a:r>
+              <a:rPr lang="zh-CN" altLang="en-US" dirty="0"/>
+              <a:t>做主键）</a:t>
+            </a:r>
+            <a:endParaRPr lang="en-US" altLang="zh-CN" dirty="0"/>
+          </a:p>
+          <a:p>
+            <a:pPr marL="0" marR="0" lvl="0" indent="0" algn="l" defTabSz="914400" rtl="0" eaLnBrk="1" fontAlgn="auto" latinLnBrk="0" hangingPunct="1">
+              <a:lnSpc>
+                <a:spcPct val="100000"/>
+              </a:lnSpc>
+              <a:spcBef>
+                <a:spcPts val="0"/>
+              </a:spcBef>
+              <a:spcAft>
+                <a:spcPts val="0"/>
+              </a:spcAft>
+              <a:buClrTx/>
+              <a:buSzTx/>
+              <a:buFontTx/>
+              <a:buNone/>
+              <a:tabLst/>
+              <a:defRPr/>
+            </a:pPr>
+            <a:r>
+              <a:rPr lang="zh-CN" altLang="en-US"/>
+              <a:t>第三范式：该抽离出一张新的表的就抽出去</a:t>
             </a:r>
             <a:endParaRPr lang="en-US" altLang="zh-CN" dirty="0"/>
           </a:p>
